--- a/lesson02.pptx
+++ b/lesson02.pptx
@@ -565,11 +565,41 @@
   </pc:docChgLst>
   <pc:docChgLst>
     <pc:chgData name="Anatoliy Kigel" userId="7432c6c4687b0a9c" providerId="LiveId" clId="{388B5A77-BF27-49C9-A551-1615B0C5848F}"/>
-    <pc:docChg chg="modSld">
-      <pc:chgData name="Anatoliy Kigel" userId="7432c6c4687b0a9c" providerId="LiveId" clId="{388B5A77-BF27-49C9-A551-1615B0C5848F}" dt="2022-01-26T11:05:49.212" v="2" actId="6549"/>
+    <pc:docChg chg="undo custSel modSld">
+      <pc:chgData name="Anatoliy Kigel" userId="7432c6c4687b0a9c" providerId="LiveId" clId="{388B5A77-BF27-49C9-A551-1615B0C5848F}" dt="2022-01-28T08:08:56.606" v="64" actId="20577"/>
       <pc:docMkLst>
         <pc:docMk/>
       </pc:docMkLst>
+      <pc:sldChg chg="modSp mod">
+        <pc:chgData name="Anatoliy Kigel" userId="7432c6c4687b0a9c" providerId="LiveId" clId="{388B5A77-BF27-49C9-A551-1615B0C5848F}" dt="2022-01-28T08:08:45.062" v="39" actId="20577"/>
+        <pc:sldMkLst>
+          <pc:docMk/>
+          <pc:sldMk cId="4251564744" sldId="386"/>
+        </pc:sldMkLst>
+        <pc:spChg chg="mod">
+          <ac:chgData name="Anatoliy Kigel" userId="7432c6c4687b0a9c" providerId="LiveId" clId="{388B5A77-BF27-49C9-A551-1615B0C5848F}" dt="2022-01-28T08:08:45.062" v="39" actId="20577"/>
+          <ac:spMkLst>
+            <pc:docMk/>
+            <pc:sldMk cId="4251564744" sldId="386"/>
+            <ac:spMk id="9" creationId="{00000000-0000-0000-0000-000000000000}"/>
+          </ac:spMkLst>
+        </pc:spChg>
+      </pc:sldChg>
+      <pc:sldChg chg="modSp mod">
+        <pc:chgData name="Anatoliy Kigel" userId="7432c6c4687b0a9c" providerId="LiveId" clId="{388B5A77-BF27-49C9-A551-1615B0C5848F}" dt="2022-01-28T08:08:56.606" v="64" actId="20577"/>
+        <pc:sldMkLst>
+          <pc:docMk/>
+          <pc:sldMk cId="3912136908" sldId="391"/>
+        </pc:sldMkLst>
+        <pc:spChg chg="mod">
+          <ac:chgData name="Anatoliy Kigel" userId="7432c6c4687b0a9c" providerId="LiveId" clId="{388B5A77-BF27-49C9-A551-1615B0C5848F}" dt="2022-01-28T08:08:56.606" v="64" actId="20577"/>
+          <ac:spMkLst>
+            <pc:docMk/>
+            <pc:sldMk cId="3912136908" sldId="391"/>
+            <ac:spMk id="5" creationId="{00000000-0000-0000-0000-000000000000}"/>
+          </ac:spMkLst>
+        </pc:spChg>
+      </pc:sldChg>
       <pc:sldChg chg="modSp mod">
         <pc:chgData name="Anatoliy Kigel" userId="7432c6c4687b0a9c" providerId="LiveId" clId="{388B5A77-BF27-49C9-A551-1615B0C5848F}" dt="2022-01-26T11:05:49.212" v="2" actId="6549"/>
         <pc:sldMkLst>
@@ -1002,7 +1032,7 @@
             <a:fld id="{85522811-C5C6-42D2-A409-F8556720C93F}" type="datetimeFigureOut">
               <a:rPr lang="uk-UA" smtClean="0"/>
               <a:pPr/>
-              <a:t>26.01.2022</a:t>
+              <a:t>28.01.2022</a:t>
             </a:fld>
             <a:endParaRPr lang="uk-UA"/>
           </a:p>
@@ -1547,7 +1577,7 @@
             <a:fld id="{E6FC6B0D-6115-4D7C-8040-9C8E2349BB6E}" type="datetime1">
               <a:rPr lang="uk-UA" smtClean="0"/>
               <a:pPr/>
-              <a:t>26.01.2022</a:t>
+              <a:t>28.01.2022</a:t>
             </a:fld>
             <a:endParaRPr lang="uk-UA"/>
           </a:p>
@@ -1714,7 +1744,7 @@
             <a:fld id="{996367BA-0A39-4DE2-BFC3-D5290044365E}" type="datetime1">
               <a:rPr lang="uk-UA" smtClean="0"/>
               <a:pPr/>
-              <a:t>26.01.2022</a:t>
+              <a:t>28.01.2022</a:t>
             </a:fld>
             <a:endParaRPr lang="uk-UA"/>
           </a:p>
@@ -1891,7 +1921,7 @@
             <a:fld id="{1BD6A67F-6C29-47DC-AF8A-FDB3C787DF70}" type="datetime1">
               <a:rPr lang="uk-UA" smtClean="0"/>
               <a:pPr/>
-              <a:t>26.01.2022</a:t>
+              <a:t>28.01.2022</a:t>
             </a:fld>
             <a:endParaRPr lang="uk-UA"/>
           </a:p>
@@ -2058,7 +2088,7 @@
             <a:fld id="{1657D9C5-7FF1-434F-B56E-9BAD559744E9}" type="datetime1">
               <a:rPr lang="uk-UA" smtClean="0"/>
               <a:pPr/>
-              <a:t>26.01.2022</a:t>
+              <a:t>28.01.2022</a:t>
             </a:fld>
             <a:endParaRPr lang="uk-UA"/>
           </a:p>
@@ -2301,7 +2331,7 @@
             <a:fld id="{2CEB0FC9-DE63-476B-A1A9-BE934D9049F8}" type="datetime1">
               <a:rPr lang="uk-UA" smtClean="0"/>
               <a:pPr/>
-              <a:t>26.01.2022</a:t>
+              <a:t>28.01.2022</a:t>
             </a:fld>
             <a:endParaRPr lang="uk-UA"/>
           </a:p>
@@ -2586,7 +2616,7 @@
             <a:fld id="{F964460F-86E2-4DF6-9D0F-12F5005CF375}" type="datetime1">
               <a:rPr lang="uk-UA" smtClean="0"/>
               <a:pPr/>
-              <a:t>26.01.2022</a:t>
+              <a:t>28.01.2022</a:t>
             </a:fld>
             <a:endParaRPr lang="uk-UA"/>
           </a:p>
@@ -3005,7 +3035,7 @@
             <a:fld id="{C521715E-DDCD-4267-B0A5-2918B6F6768A}" type="datetime1">
               <a:rPr lang="uk-UA" smtClean="0"/>
               <a:pPr/>
-              <a:t>26.01.2022</a:t>
+              <a:t>28.01.2022</a:t>
             </a:fld>
             <a:endParaRPr lang="uk-UA"/>
           </a:p>
@@ -3120,7 +3150,7 @@
             <a:fld id="{9289842C-EB2D-4EBB-A272-2F6A49D9794D}" type="datetime1">
               <a:rPr lang="uk-UA" smtClean="0"/>
               <a:pPr/>
-              <a:t>26.01.2022</a:t>
+              <a:t>28.01.2022</a:t>
             </a:fld>
             <a:endParaRPr lang="uk-UA"/>
           </a:p>
@@ -3212,7 +3242,7 @@
             <a:fld id="{D036F091-B700-4B52-99AC-85D0FD94D904}" type="datetime1">
               <a:rPr lang="uk-UA" smtClean="0"/>
               <a:pPr/>
-              <a:t>26.01.2022</a:t>
+              <a:t>28.01.2022</a:t>
             </a:fld>
             <a:endParaRPr lang="uk-UA"/>
           </a:p>
@@ -3486,7 +3516,7 @@
             <a:fld id="{B35DFABA-3811-4634-B803-2EAC4CD0063B}" type="datetime1">
               <a:rPr lang="uk-UA" smtClean="0"/>
               <a:pPr/>
-              <a:t>26.01.2022</a:t>
+              <a:t>28.01.2022</a:t>
             </a:fld>
             <a:endParaRPr lang="uk-UA"/>
           </a:p>
@@ -3736,7 +3766,7 @@
             <a:fld id="{8A9EA25E-F88E-463A-A119-D1E55A881002}" type="datetime1">
               <a:rPr lang="uk-UA" smtClean="0"/>
               <a:pPr/>
-              <a:t>26.01.2022</a:t>
+              <a:t>28.01.2022</a:t>
             </a:fld>
             <a:endParaRPr lang="uk-UA"/>
           </a:p>
@@ -3946,7 +3976,7 @@
             <a:fld id="{E708ED03-0080-49A2-B709-7DA4ACB3A1C3}" type="datetime1">
               <a:rPr lang="uk-UA" smtClean="0"/>
               <a:pPr/>
-              <a:t>26.01.2022</a:t>
+              <a:t>28.01.2022</a:t>
             </a:fld>
             <a:endParaRPr lang="uk-UA"/>
           </a:p>
@@ -4340,8 +4370,8 @@
         </p:nvSpPr>
         <p:spPr>
           <a:xfrm>
-            <a:off x="0" y="643335"/>
-            <a:ext cx="12192000" cy="769441"/>
+            <a:off x="0" y="674112"/>
+            <a:ext cx="12192000" cy="707886"/>
           </a:xfrm>
           <a:prstGeom prst="rect">
             <a:avLst/>
@@ -4356,7 +4386,7 @@
           <a:p>
             <a:pPr algn="ctr"/>
             <a:r>
-              <a:rPr lang="en-US" sz="4400" b="1" dirty="0" err="1">
+              <a:rPr lang="en-US" sz="4000" b="1" dirty="0" err="1">
                 <a:solidFill>
                   <a:srgbClr val="FFFF00"/>
                 </a:solidFill>
@@ -4365,7 +4395,7 @@
               <a:t>H</a:t>
             </a:r>
             <a:r>
-              <a:rPr lang="en-US" sz="4400" b="1" dirty="0" err="1">
+              <a:rPr lang="en-US" sz="4000" b="1" dirty="0" err="1">
                 <a:solidFill>
                   <a:schemeClr val="bg1"/>
                 </a:solidFill>
@@ -4374,7 +4404,7 @@
               <a:t>yper</a:t>
             </a:r>
             <a:r>
-              <a:rPr lang="en-US" sz="4400" b="1" dirty="0" err="1">
+              <a:rPr lang="en-US" sz="4000" b="1" dirty="0" err="1">
                 <a:solidFill>
                   <a:srgbClr val="FFFF00"/>
                 </a:solidFill>
@@ -4383,7 +4413,7 @@
               <a:t>T</a:t>
             </a:r>
             <a:r>
-              <a:rPr lang="en-US" sz="4400" b="1" dirty="0" err="1">
+              <a:rPr lang="en-US" sz="4000" b="1" dirty="0" err="1">
                 <a:solidFill>
                   <a:schemeClr val="bg1"/>
                 </a:solidFill>
@@ -4392,7 +4422,7 @@
               <a:t>ext</a:t>
             </a:r>
             <a:r>
-              <a:rPr lang="en-US" sz="4400" b="1" dirty="0">
+              <a:rPr lang="en-US" sz="4000" b="1" dirty="0">
                 <a:solidFill>
                   <a:schemeClr val="bg1"/>
                 </a:solidFill>
@@ -4401,7 +4431,7 @@
               <a:t> </a:t>
             </a:r>
             <a:r>
-              <a:rPr lang="en-US" sz="4400" b="1" dirty="0">
+              <a:rPr lang="en-US" sz="4000" b="1" dirty="0">
                 <a:solidFill>
                   <a:srgbClr val="FFFF00"/>
                 </a:solidFill>
@@ -4410,7 +4440,7 @@
               <a:t>M</a:t>
             </a:r>
             <a:r>
-              <a:rPr lang="en-US" sz="4400" b="1" dirty="0">
+              <a:rPr lang="en-US" sz="4000" b="1" dirty="0">
                 <a:solidFill>
                   <a:schemeClr val="bg1"/>
                 </a:solidFill>
@@ -4419,7 +4449,7 @@
               <a:t>arkup </a:t>
             </a:r>
             <a:r>
-              <a:rPr lang="en-US" sz="4400" b="1" dirty="0">
+              <a:rPr lang="en-US" sz="4000" b="1" dirty="0">
                 <a:solidFill>
                   <a:srgbClr val="FFFF00"/>
                 </a:solidFill>
@@ -4428,17 +4458,44 @@
               <a:t>L</a:t>
             </a:r>
             <a:r>
-              <a:rPr lang="en-US" sz="4400" b="1" dirty="0">
+              <a:rPr lang="en-US" sz="4000" b="1" dirty="0">
                 <a:solidFill>
                   <a:schemeClr val="bg1"/>
                 </a:solidFill>
                 <a:latin typeface="+mj-lt"/>
               </a:rPr>
-              <a:t>anguage</a:t>
-            </a:r>
-            <a:endParaRPr lang="uk-UA" sz="4400" b="1" dirty="0">
+              <a:t>anguage </a:t>
+            </a:r>
+            <a:r>
+              <a:rPr lang="ru-RU" sz="4000" b="1" dirty="0">
+                <a:solidFill>
+                  <a:schemeClr val="bg1"/>
+                </a:solidFill>
+                <a:latin typeface="+mj-lt"/>
+              </a:rPr>
+              <a:t>/</a:t>
+            </a:r>
+            <a:r>
+              <a:rPr lang="en-US" sz="4000" b="1" dirty="0">
+                <a:solidFill>
+                  <a:schemeClr val="bg1"/>
+                </a:solidFill>
+                <a:latin typeface="+mj-lt"/>
+              </a:rPr>
+              <a:t> </a:t>
+            </a:r>
+            <a:r>
+              <a:rPr lang="ru-RU" sz="4000" b="1" dirty="0">
+                <a:solidFill>
+                  <a:srgbClr val="FFFF00"/>
+                </a:solidFill>
+                <a:latin typeface="+mj-lt"/>
+              </a:rPr>
+              <a:t>Структура проекта</a:t>
+            </a:r>
+            <a:endParaRPr lang="uk-UA" sz="4000" b="1" dirty="0">
               <a:solidFill>
-                <a:schemeClr val="bg1"/>
+                <a:srgbClr val="FFFF00"/>
               </a:solidFill>
               <a:latin typeface="+mj-lt"/>
             </a:endParaRPr>
@@ -9342,8 +9399,8 @@
               <a:t>. Структура </a:t>
             </a:r>
             <a:r>
-              <a:rPr lang="uk-UA" sz="6600" b="1" dirty="0" err="1"/>
-              <a:t>файлов</a:t>
+              <a:rPr lang="ru-RU" sz="6600" b="1"/>
+              <a:t>проекта</a:t>
             </a:r>
             <a:endParaRPr lang="uk-UA" sz="6600" b="1" dirty="0"/>
           </a:p>

--- a/lesson02.pptx
+++ b/lesson02.pptx
@@ -204,7 +204,7 @@
 <file path=ppt/revisionInfo.xml><?xml version="1.0" encoding="utf-8"?>
 <p1510:revInfo xmlns:a="http://schemas.openxmlformats.org/drawingml/2006/main" xmlns:r="http://schemas.openxmlformats.org/officeDocument/2006/relationships" xmlns:p1510="http://schemas.microsoft.com/office/powerpoint/2015/10/main">
   <p1510:revLst>
-    <p1510:client id="{388B5A77-BF27-49C9-A551-1615B0C5848F}" v="1" dt="2022-01-26T11:05:48.437"/>
+    <p1510:client id="{388B5A77-BF27-49C9-A551-1615B0C5848F}" v="3" dt="2022-02-01T10:53:58.633"/>
   </p1510:revLst>
 </p1510:revInfo>
 </file>
@@ -566,7 +566,7 @@
   <pc:docChgLst>
     <pc:chgData name="Anatoliy Kigel" userId="7432c6c4687b0a9c" providerId="LiveId" clId="{388B5A77-BF27-49C9-A551-1615B0C5848F}"/>
     <pc:docChg chg="undo custSel modSld">
-      <pc:chgData name="Anatoliy Kigel" userId="7432c6c4687b0a9c" providerId="LiveId" clId="{388B5A77-BF27-49C9-A551-1615B0C5848F}" dt="2022-01-28T08:08:56.606" v="64" actId="20577"/>
+      <pc:chgData name="Anatoliy Kigel" userId="7432c6c4687b0a9c" providerId="LiveId" clId="{388B5A77-BF27-49C9-A551-1615B0C5848F}" dt="2022-02-01T10:53:58.633" v="66"/>
       <pc:docMkLst>
         <pc:docMk/>
       </pc:docMkLst>
@@ -600,8 +600,23 @@
           </ac:spMkLst>
         </pc:spChg>
       </pc:sldChg>
-      <pc:sldChg chg="modSp mod">
-        <pc:chgData name="Anatoliy Kigel" userId="7432c6c4687b0a9c" providerId="LiveId" clId="{388B5A77-BF27-49C9-A551-1615B0C5848F}" dt="2022-01-26T11:05:49.212" v="2" actId="6549"/>
+      <pc:sldChg chg="addSp modSp">
+        <pc:chgData name="Anatoliy Kigel" userId="7432c6c4687b0a9c" providerId="LiveId" clId="{388B5A77-BF27-49C9-A551-1615B0C5848F}" dt="2022-02-01T10:53:57.230" v="65"/>
+        <pc:sldMkLst>
+          <pc:docMk/>
+          <pc:sldMk cId="1817544786" sldId="392"/>
+        </pc:sldMkLst>
+        <pc:spChg chg="add mod">
+          <ac:chgData name="Anatoliy Kigel" userId="7432c6c4687b0a9c" providerId="LiveId" clId="{388B5A77-BF27-49C9-A551-1615B0C5848F}" dt="2022-02-01T10:53:57.230" v="65"/>
+          <ac:spMkLst>
+            <pc:docMk/>
+            <pc:sldMk cId="1817544786" sldId="392"/>
+            <ac:spMk id="13" creationId="{021D971E-51ED-41E2-85A9-1B9B982D552B}"/>
+          </ac:spMkLst>
+        </pc:spChg>
+      </pc:sldChg>
+      <pc:sldChg chg="addSp modSp mod">
+        <pc:chgData name="Anatoliy Kigel" userId="7432c6c4687b0a9c" providerId="LiveId" clId="{388B5A77-BF27-49C9-A551-1615B0C5848F}" dt="2022-02-01T10:53:58.633" v="66"/>
         <pc:sldMkLst>
           <pc:docMk/>
           <pc:sldMk cId="44952471" sldId="393"/>
@@ -612,6 +627,14 @@
             <pc:docMk/>
             <pc:sldMk cId="44952471" sldId="393"/>
             <ac:spMk id="2" creationId="{00000000-0000-0000-0000-000000000000}"/>
+          </ac:spMkLst>
+        </pc:spChg>
+        <pc:spChg chg="add mod">
+          <ac:chgData name="Anatoliy Kigel" userId="7432c6c4687b0a9c" providerId="LiveId" clId="{388B5A77-BF27-49C9-A551-1615B0C5848F}" dt="2022-02-01T10:53:58.633" v="66"/>
+          <ac:spMkLst>
+            <pc:docMk/>
+            <pc:sldMk cId="44952471" sldId="393"/>
+            <ac:spMk id="20" creationId="{FC29BBD4-73FA-4BE5-9961-2FBD6276E4B4}"/>
           </ac:spMkLst>
         </pc:spChg>
       </pc:sldChg>
@@ -1032,7 +1055,7 @@
             <a:fld id="{85522811-C5C6-42D2-A409-F8556720C93F}" type="datetimeFigureOut">
               <a:rPr lang="uk-UA" smtClean="0"/>
               <a:pPr/>
-              <a:t>28.01.2022</a:t>
+              <a:t>01.02.2022</a:t>
             </a:fld>
             <a:endParaRPr lang="uk-UA"/>
           </a:p>
@@ -1577,7 +1600,7 @@
             <a:fld id="{E6FC6B0D-6115-4D7C-8040-9C8E2349BB6E}" type="datetime1">
               <a:rPr lang="uk-UA" smtClean="0"/>
               <a:pPr/>
-              <a:t>28.01.2022</a:t>
+              <a:t>01.02.2022</a:t>
             </a:fld>
             <a:endParaRPr lang="uk-UA"/>
           </a:p>
@@ -1744,7 +1767,7 @@
             <a:fld id="{996367BA-0A39-4DE2-BFC3-D5290044365E}" type="datetime1">
               <a:rPr lang="uk-UA" smtClean="0"/>
               <a:pPr/>
-              <a:t>28.01.2022</a:t>
+              <a:t>01.02.2022</a:t>
             </a:fld>
             <a:endParaRPr lang="uk-UA"/>
           </a:p>
@@ -1921,7 +1944,7 @@
             <a:fld id="{1BD6A67F-6C29-47DC-AF8A-FDB3C787DF70}" type="datetime1">
               <a:rPr lang="uk-UA" smtClean="0"/>
               <a:pPr/>
-              <a:t>28.01.2022</a:t>
+              <a:t>01.02.2022</a:t>
             </a:fld>
             <a:endParaRPr lang="uk-UA"/>
           </a:p>
@@ -2088,7 +2111,7 @@
             <a:fld id="{1657D9C5-7FF1-434F-B56E-9BAD559744E9}" type="datetime1">
               <a:rPr lang="uk-UA" smtClean="0"/>
               <a:pPr/>
-              <a:t>28.01.2022</a:t>
+              <a:t>01.02.2022</a:t>
             </a:fld>
             <a:endParaRPr lang="uk-UA"/>
           </a:p>
@@ -2331,7 +2354,7 @@
             <a:fld id="{2CEB0FC9-DE63-476B-A1A9-BE934D9049F8}" type="datetime1">
               <a:rPr lang="uk-UA" smtClean="0"/>
               <a:pPr/>
-              <a:t>28.01.2022</a:t>
+              <a:t>01.02.2022</a:t>
             </a:fld>
             <a:endParaRPr lang="uk-UA"/>
           </a:p>
@@ -2616,7 +2639,7 @@
             <a:fld id="{F964460F-86E2-4DF6-9D0F-12F5005CF375}" type="datetime1">
               <a:rPr lang="uk-UA" smtClean="0"/>
               <a:pPr/>
-              <a:t>28.01.2022</a:t>
+              <a:t>01.02.2022</a:t>
             </a:fld>
             <a:endParaRPr lang="uk-UA"/>
           </a:p>
@@ -3035,7 +3058,7 @@
             <a:fld id="{C521715E-DDCD-4267-B0A5-2918B6F6768A}" type="datetime1">
               <a:rPr lang="uk-UA" smtClean="0"/>
               <a:pPr/>
-              <a:t>28.01.2022</a:t>
+              <a:t>01.02.2022</a:t>
             </a:fld>
             <a:endParaRPr lang="uk-UA"/>
           </a:p>
@@ -3150,7 +3173,7 @@
             <a:fld id="{9289842C-EB2D-4EBB-A272-2F6A49D9794D}" type="datetime1">
               <a:rPr lang="uk-UA" smtClean="0"/>
               <a:pPr/>
-              <a:t>28.01.2022</a:t>
+              <a:t>01.02.2022</a:t>
             </a:fld>
             <a:endParaRPr lang="uk-UA"/>
           </a:p>
@@ -3242,7 +3265,7 @@
             <a:fld id="{D036F091-B700-4B52-99AC-85D0FD94D904}" type="datetime1">
               <a:rPr lang="uk-UA" smtClean="0"/>
               <a:pPr/>
-              <a:t>28.01.2022</a:t>
+              <a:t>01.02.2022</a:t>
             </a:fld>
             <a:endParaRPr lang="uk-UA"/>
           </a:p>
@@ -3516,7 +3539,7 @@
             <a:fld id="{B35DFABA-3811-4634-B803-2EAC4CD0063B}" type="datetime1">
               <a:rPr lang="uk-UA" smtClean="0"/>
               <a:pPr/>
-              <a:t>28.01.2022</a:t>
+              <a:t>01.02.2022</a:t>
             </a:fld>
             <a:endParaRPr lang="uk-UA"/>
           </a:p>
@@ -3766,7 +3789,7 @@
             <a:fld id="{8A9EA25E-F88E-463A-A119-D1E55A881002}" type="datetime1">
               <a:rPr lang="uk-UA" smtClean="0"/>
               <a:pPr/>
-              <a:t>28.01.2022</a:t>
+              <a:t>01.02.2022</a:t>
             </a:fld>
             <a:endParaRPr lang="uk-UA"/>
           </a:p>
@@ -3976,7 +3999,7 @@
             <a:fld id="{E708ED03-0080-49A2-B709-7DA4ACB3A1C3}" type="datetime1">
               <a:rPr lang="uk-UA" smtClean="0"/>
               <a:pPr/>
-              <a:t>28.01.2022</a:t>
+              <a:t>01.02.2022</a:t>
             </a:fld>
             <a:endParaRPr lang="uk-UA"/>
           </a:p>
@@ -9973,6 +9996,82 @@
               </a:rPr>
               <a:t>позволяет не захламлять «корень» сайта файлами (а оставить там только файлы страниц) и при этом обеспечивает чёткое разделение файлов-ресурсов по типам. </a:t>
             </a:r>
+          </a:p>
+        </p:txBody>
+      </p:sp>
+      <p:sp>
+        <p:nvSpPr>
+          <p:cNvPr id="13" name="Номер слайда 36">
+            <a:extLst>
+              <a:ext uri="{FF2B5EF4-FFF2-40B4-BE49-F238E27FC236}">
+                <a16:creationId xmlns:a16="http://schemas.microsoft.com/office/drawing/2014/main" id="{021D971E-51ED-41E2-85A9-1B9B982D552B}"/>
+              </a:ext>
+            </a:extLst>
+          </p:cNvPr>
+          <p:cNvSpPr txBox="1">
+            <a:spLocks/>
+          </p:cNvSpPr>
+          <p:nvPr/>
+        </p:nvSpPr>
+        <p:spPr>
+          <a:xfrm>
+            <a:off x="11136560" y="6165304"/>
+            <a:ext cx="648072" cy="432048"/>
+          </a:xfrm>
+          <a:prstGeom prst="roundRect">
+            <a:avLst/>
+          </a:prstGeom>
+          <a:ln w="25400" cap="flat" cmpd="sng" algn="ctr">
+            <a:solidFill>
+              <a:schemeClr val="tx2">
+                <a:lumMod val="60000"/>
+                <a:lumOff val="40000"/>
+              </a:schemeClr>
+            </a:solidFill>
+            <a:prstDash val="solid"/>
+          </a:ln>
+        </p:spPr>
+        <p:style>
+          <a:lnRef idx="2">
+            <a:schemeClr val="accent1"/>
+          </a:lnRef>
+          <a:fillRef idx="1">
+            <a:schemeClr val="lt1"/>
+          </a:fillRef>
+          <a:effectRef idx="0">
+            <a:schemeClr val="accent1"/>
+          </a:effectRef>
+          <a:fontRef idx="minor">
+            <a:schemeClr val="dk1"/>
+          </a:fontRef>
+        </p:style>
+        <p:txBody>
+          <a:bodyPr vert="horz" lIns="91440" tIns="45720" rIns="91440" bIns="45720" rtlCol="0" anchor="ctr"/>
+          <a:lstStyle/>
+          <a:p>
+            <a:pPr algn="ctr">
+              <a:defRPr/>
+            </a:pPr>
+            <a:fld id="{6389AA22-90B4-448C-8B6B-C699140D38B9}" type="slidenum">
+              <a:rPr lang="uk-UA" sz="2400" b="1">
+                <a:solidFill>
+                  <a:schemeClr val="bg1">
+                    <a:lumMod val="50000"/>
+                  </a:schemeClr>
+                </a:solidFill>
+              </a:rPr>
+              <a:pPr algn="ctr">
+                <a:defRPr/>
+              </a:pPr>
+              <a:t>5</a:t>
+            </a:fld>
+            <a:endParaRPr lang="uk-UA" sz="2400" b="1" dirty="0">
+              <a:solidFill>
+                <a:schemeClr val="bg1">
+                  <a:lumMod val="50000"/>
+                </a:schemeClr>
+              </a:solidFill>
+            </a:endParaRPr>
           </a:p>
         </p:txBody>
       </p:sp>
@@ -10621,6 +10720,82 @@
           </a:prstGeom>
         </p:spPr>
       </p:pic>
+      <p:sp>
+        <p:nvSpPr>
+          <p:cNvPr id="20" name="Номер слайда 36">
+            <a:extLst>
+              <a:ext uri="{FF2B5EF4-FFF2-40B4-BE49-F238E27FC236}">
+                <a16:creationId xmlns:a16="http://schemas.microsoft.com/office/drawing/2014/main" id="{FC29BBD4-73FA-4BE5-9961-2FBD6276E4B4}"/>
+              </a:ext>
+            </a:extLst>
+          </p:cNvPr>
+          <p:cNvSpPr txBox="1">
+            <a:spLocks/>
+          </p:cNvSpPr>
+          <p:nvPr/>
+        </p:nvSpPr>
+        <p:spPr>
+          <a:xfrm>
+            <a:off x="11136560" y="6165304"/>
+            <a:ext cx="648072" cy="432048"/>
+          </a:xfrm>
+          <a:prstGeom prst="roundRect">
+            <a:avLst/>
+          </a:prstGeom>
+          <a:ln w="25400" cap="flat" cmpd="sng" algn="ctr">
+            <a:solidFill>
+              <a:schemeClr val="tx2">
+                <a:lumMod val="60000"/>
+                <a:lumOff val="40000"/>
+              </a:schemeClr>
+            </a:solidFill>
+            <a:prstDash val="solid"/>
+          </a:ln>
+        </p:spPr>
+        <p:style>
+          <a:lnRef idx="2">
+            <a:schemeClr val="accent1"/>
+          </a:lnRef>
+          <a:fillRef idx="1">
+            <a:schemeClr val="lt1"/>
+          </a:fillRef>
+          <a:effectRef idx="0">
+            <a:schemeClr val="accent1"/>
+          </a:effectRef>
+          <a:fontRef idx="minor">
+            <a:schemeClr val="dk1"/>
+          </a:fontRef>
+        </p:style>
+        <p:txBody>
+          <a:bodyPr vert="horz" lIns="91440" tIns="45720" rIns="91440" bIns="45720" rtlCol="0" anchor="ctr"/>
+          <a:lstStyle/>
+          <a:p>
+            <a:pPr algn="ctr">
+              <a:defRPr/>
+            </a:pPr>
+            <a:fld id="{6389AA22-90B4-448C-8B6B-C699140D38B9}" type="slidenum">
+              <a:rPr lang="uk-UA" sz="2400" b="1">
+                <a:solidFill>
+                  <a:schemeClr val="bg1">
+                    <a:lumMod val="50000"/>
+                  </a:schemeClr>
+                </a:solidFill>
+              </a:rPr>
+              <a:pPr algn="ctr">
+                <a:defRPr/>
+              </a:pPr>
+              <a:t>6</a:t>
+            </a:fld>
+            <a:endParaRPr lang="uk-UA" sz="2400" b="1" dirty="0">
+              <a:solidFill>
+                <a:schemeClr val="bg1">
+                  <a:lumMod val="50000"/>
+                </a:schemeClr>
+              </a:solidFill>
+            </a:endParaRPr>
+          </a:p>
+        </p:txBody>
+      </p:sp>
     </p:spTree>
     <p:extLst>
       <p:ext uri="{BB962C8B-B14F-4D97-AF65-F5344CB8AC3E}">
